--- a/examples/00-keynote.pptx
+++ b/examples/00-keynote.pptx
@@ -533,18 +533,7 @@
           <a:bodyPr/>
           <a:lstStyle/>
           <a:p>
-            <a:r>
-              <a:rPr lang="ru-RU" dirty="0"/>
-              <a:t>Тут будет переход к практической работе: создание проекта, основные команды, разбор типов данных, ввод/</a:t>
-            </a:r>
-            <a:r>
-              <a:rPr lang="ru-RU"/>
-              <a:t>вывод информации, различные </a:t>
-            </a:r>
-            <a:r>
-              <a:rPr lang="ru-RU" dirty="0"/>
-              <a:t>конструкции (условия, циклы)</a:t>
-            </a:r>
+            <a:endParaRPr lang="en-US" dirty="0"/>
           </a:p>
         </p:txBody>
       </p:sp>
@@ -3227,7 +3216,7 @@
           </a:ln>
           <a:extLst>
             <a:ext uri="{C572A759-6A51-4108-AA02-DFA0A04FC94B}">
-              <ma14:wrappingTextBoxFlag xmlns="" xmlns:ma14="http://schemas.microsoft.com/office/mac/drawingml/2011/main" val="1"/>
+              <ma14:wrappingTextBoxFlag xmlns:ma14="http://schemas.microsoft.com/office/mac/drawingml/2011/main" xmlns="" val="1"/>
             </a:ext>
           </a:extLst>
         </p:spPr>
@@ -3264,7 +3253,7 @@
           </a:ln>
           <a:extLst>
             <a:ext uri="{C572A759-6A51-4108-AA02-DFA0A04FC94B}">
-              <ma14:wrappingTextBoxFlag xmlns="" xmlns:ma14="http://schemas.microsoft.com/office/mac/drawingml/2011/main" val="1"/>
+              <ma14:wrappingTextBoxFlag xmlns:ma14="http://schemas.microsoft.com/office/mac/drawingml/2011/main" xmlns="" val="1"/>
             </a:ext>
           </a:extLst>
         </p:spPr>
@@ -4261,7 +4250,7 @@
           </a:ln>
           <a:extLst>
             <a:ext uri="{C572A759-6A51-4108-AA02-DFA0A04FC94B}">
-              <ma14:wrappingTextBoxFlag xmlns="" xmlns:ma14="http://schemas.microsoft.com/office/mac/drawingml/2011/main" val="1"/>
+              <ma14:wrappingTextBoxFlag xmlns:ma14="http://schemas.microsoft.com/office/mac/drawingml/2011/main" xmlns="" val="1"/>
             </a:ext>
           </a:extLst>
         </p:spPr>
@@ -4396,7 +4385,7 @@
           </a:ln>
           <a:extLst>
             <a:ext uri="{C572A759-6A51-4108-AA02-DFA0A04FC94B}">
-              <ma14:wrappingTextBoxFlag xmlns="" xmlns:ma14="http://schemas.microsoft.com/office/mac/drawingml/2011/main" val="1"/>
+              <ma14:wrappingTextBoxFlag xmlns:ma14="http://schemas.microsoft.com/office/mac/drawingml/2011/main" xmlns="" val="1"/>
             </a:ext>
           </a:extLst>
         </p:spPr>
@@ -4442,7 +4431,7 @@
           </a:ln>
           <a:extLst>
             <a:ext uri="{C572A759-6A51-4108-AA02-DFA0A04FC94B}">
-              <ma14:wrappingTextBoxFlag xmlns="" xmlns:ma14="http://schemas.microsoft.com/office/mac/drawingml/2011/main" val="1"/>
+              <ma14:wrappingTextBoxFlag xmlns:ma14="http://schemas.microsoft.com/office/mac/drawingml/2011/main" xmlns="" val="1"/>
             </a:ext>
           </a:extLst>
         </p:spPr>
@@ -4603,7 +4592,7 @@
           </a:ln>
           <a:extLst>
             <a:ext uri="{C572A759-6A51-4108-AA02-DFA0A04FC94B}">
-              <ma14:wrappingTextBoxFlag xmlns="" xmlns:ma14="http://schemas.microsoft.com/office/mac/drawingml/2011/main" val="1"/>
+              <ma14:wrappingTextBoxFlag xmlns:ma14="http://schemas.microsoft.com/office/mac/drawingml/2011/main" xmlns="" val="1"/>
             </a:ext>
           </a:extLst>
         </p:spPr>
@@ -4681,7 +4670,7 @@
           </a:ln>
           <a:extLst>
             <a:ext uri="{C572A759-6A51-4108-AA02-DFA0A04FC94B}">
-              <ma14:wrappingTextBoxFlag xmlns="" xmlns:ma14="http://schemas.microsoft.com/office/mac/drawingml/2011/main" val="1"/>
+              <ma14:wrappingTextBoxFlag xmlns:ma14="http://schemas.microsoft.com/office/mac/drawingml/2011/main" xmlns="" val="1"/>
             </a:ext>
           </a:extLst>
         </p:spPr>
@@ -4831,7 +4820,7 @@
           </a:ln>
           <a:extLst>
             <a:ext uri="{C572A759-6A51-4108-AA02-DFA0A04FC94B}">
-              <ma14:wrappingTextBoxFlag xmlns="" xmlns:ma14="http://schemas.microsoft.com/office/mac/drawingml/2011/main" val="1"/>
+              <ma14:wrappingTextBoxFlag xmlns:ma14="http://schemas.microsoft.com/office/mac/drawingml/2011/main" xmlns="" val="1"/>
             </a:ext>
           </a:extLst>
         </p:spPr>
@@ -4911,7 +4900,7 @@
           </a:ln>
           <a:extLst>
             <a:ext uri="{C572A759-6A51-4108-AA02-DFA0A04FC94B}">
-              <ma14:wrappingTextBoxFlag xmlns="" xmlns:ma14="http://schemas.microsoft.com/office/mac/drawingml/2011/main" val="1"/>
+              <ma14:wrappingTextBoxFlag xmlns:ma14="http://schemas.microsoft.com/office/mac/drawingml/2011/main" xmlns="" val="1"/>
             </a:ext>
           </a:extLst>
         </p:spPr>
@@ -5059,7 +5048,7 @@
           </a:ln>
           <a:extLst>
             <a:ext uri="{C572A759-6A51-4108-AA02-DFA0A04FC94B}">
-              <ma14:wrappingTextBoxFlag xmlns="" xmlns:ma14="http://schemas.microsoft.com/office/mac/drawingml/2011/main" val="1"/>
+              <ma14:wrappingTextBoxFlag xmlns:ma14="http://schemas.microsoft.com/office/mac/drawingml/2011/main" xmlns="" val="1"/>
             </a:ext>
           </a:extLst>
         </p:spPr>
@@ -5109,7 +5098,7 @@
           </a:ln>
           <a:extLst>
             <a:ext uri="{C572A759-6A51-4108-AA02-DFA0A04FC94B}">
-              <ma14:wrappingTextBoxFlag xmlns="" xmlns:ma14="http://schemas.microsoft.com/office/mac/drawingml/2011/main" val="1"/>
+              <ma14:wrappingTextBoxFlag xmlns:ma14="http://schemas.microsoft.com/office/mac/drawingml/2011/main" xmlns="" val="1"/>
             </a:ext>
           </a:extLst>
         </p:spPr>
@@ -5206,7 +5195,7 @@
           </a:ln>
           <a:extLst>
             <a:ext uri="{C572A759-6A51-4108-AA02-DFA0A04FC94B}">
-              <ma14:wrappingTextBoxFlag xmlns="" xmlns:ma14="http://schemas.microsoft.com/office/mac/drawingml/2011/main" val="1"/>
+              <ma14:wrappingTextBoxFlag xmlns:ma14="http://schemas.microsoft.com/office/mac/drawingml/2011/main" xmlns="" val="1"/>
             </a:ext>
           </a:extLst>
         </p:spPr>
@@ -5255,7 +5244,7 @@
           </a:ln>
           <a:extLst>
             <a:ext uri="{C572A759-6A51-4108-AA02-DFA0A04FC94B}">
-              <ma14:wrappingTextBoxFlag xmlns="" xmlns:ma14="http://schemas.microsoft.com/office/mac/drawingml/2011/main" val="1"/>
+              <ma14:wrappingTextBoxFlag xmlns:ma14="http://schemas.microsoft.com/office/mac/drawingml/2011/main" xmlns="" val="1"/>
             </a:ext>
           </a:extLst>
         </p:spPr>
@@ -5476,7 +5465,7 @@
           </a:ln>
           <a:extLst>
             <a:ext uri="{C572A759-6A51-4108-AA02-DFA0A04FC94B}">
-              <ma14:wrappingTextBoxFlag xmlns="" xmlns:ma14="http://schemas.microsoft.com/office/mac/drawingml/2011/main" val="1"/>
+              <ma14:wrappingTextBoxFlag xmlns:ma14="http://schemas.microsoft.com/office/mac/drawingml/2011/main" xmlns="" val="1"/>
             </a:ext>
           </a:extLst>
         </p:spPr>
@@ -5624,7 +5613,7 @@
           </a:ln>
           <a:extLst>
             <a:ext uri="{C572A759-6A51-4108-AA02-DFA0A04FC94B}">
-              <ma14:wrappingTextBoxFlag xmlns="" xmlns:ma14="http://schemas.microsoft.com/office/mac/drawingml/2011/main" val="1"/>
+              <ma14:wrappingTextBoxFlag xmlns:ma14="http://schemas.microsoft.com/office/mac/drawingml/2011/main" xmlns="" val="1"/>
             </a:ext>
           </a:extLst>
         </p:spPr>
@@ -5674,7 +5663,7 @@
           </a:ln>
           <a:extLst>
             <a:ext uri="{C572A759-6A51-4108-AA02-DFA0A04FC94B}">
-              <ma14:wrappingTextBoxFlag xmlns="" xmlns:ma14="http://schemas.microsoft.com/office/mac/drawingml/2011/main" val="1"/>
+              <ma14:wrappingTextBoxFlag xmlns:ma14="http://schemas.microsoft.com/office/mac/drawingml/2011/main" xmlns="" val="1"/>
             </a:ext>
           </a:extLst>
         </p:spPr>
@@ -5771,7 +5760,7 @@
           </a:ln>
           <a:extLst>
             <a:ext uri="{C572A759-6A51-4108-AA02-DFA0A04FC94B}">
-              <ma14:wrappingTextBoxFlag xmlns="" xmlns:ma14="http://schemas.microsoft.com/office/mac/drawingml/2011/main" val="1"/>
+              <ma14:wrappingTextBoxFlag xmlns:ma14="http://schemas.microsoft.com/office/mac/drawingml/2011/main" xmlns="" val="1"/>
             </a:ext>
           </a:extLst>
         </p:spPr>
@@ -5818,7 +5807,7 @@
           </a:ln>
           <a:extLst>
             <a:ext uri="{C572A759-6A51-4108-AA02-DFA0A04FC94B}">
-              <ma14:wrappingTextBoxFlag xmlns="" xmlns:ma14="http://schemas.microsoft.com/office/mac/drawingml/2011/main" val="1"/>
+              <ma14:wrappingTextBoxFlag xmlns:ma14="http://schemas.microsoft.com/office/mac/drawingml/2011/main" xmlns="" val="1"/>
             </a:ext>
           </a:extLst>
         </p:spPr>
@@ -6008,7 +5997,7 @@
           </a:ln>
           <a:extLst>
             <a:ext uri="{C572A759-6A51-4108-AA02-DFA0A04FC94B}">
-              <ma14:wrappingTextBoxFlag xmlns="" xmlns:ma14="http://schemas.microsoft.com/office/mac/drawingml/2011/main" val="1"/>
+              <ma14:wrappingTextBoxFlag xmlns:ma14="http://schemas.microsoft.com/office/mac/drawingml/2011/main" xmlns="" val="1"/>
             </a:ext>
           </a:extLst>
         </p:spPr>
@@ -6145,7 +6134,7 @@
           </a:ln>
           <a:extLst>
             <a:ext uri="{C572A759-6A51-4108-AA02-DFA0A04FC94B}">
-              <ma14:wrappingTextBoxFlag xmlns="" xmlns:ma14="http://schemas.microsoft.com/office/mac/drawingml/2011/main" val="1"/>
+              <ma14:wrappingTextBoxFlag xmlns:ma14="http://schemas.microsoft.com/office/mac/drawingml/2011/main" xmlns="" val="1"/>
             </a:ext>
           </a:extLst>
         </p:spPr>
@@ -6192,7 +6181,7 @@
           </a:ln>
           <a:extLst>
             <a:ext uri="{C572A759-6A51-4108-AA02-DFA0A04FC94B}">
-              <ma14:wrappingTextBoxFlag xmlns="" xmlns:ma14="http://schemas.microsoft.com/office/mac/drawingml/2011/main" val="1"/>
+              <ma14:wrappingTextBoxFlag xmlns:ma14="http://schemas.microsoft.com/office/mac/drawingml/2011/main" xmlns="" val="1"/>
             </a:ext>
           </a:extLst>
         </p:spPr>
@@ -6276,7 +6265,7 @@
           </a:ln>
           <a:extLst>
             <a:ext uri="{C572A759-6A51-4108-AA02-DFA0A04FC94B}">
-              <ma14:wrappingTextBoxFlag xmlns="" xmlns:ma14="http://schemas.microsoft.com/office/mac/drawingml/2011/main" val="1"/>
+              <ma14:wrappingTextBoxFlag xmlns:ma14="http://schemas.microsoft.com/office/mac/drawingml/2011/main" xmlns="" val="1"/>
             </a:ext>
           </a:extLst>
         </p:spPr>
@@ -6379,7 +6368,7 @@
           </a:ln>
           <a:extLst>
             <a:ext uri="{C572A759-6A51-4108-AA02-DFA0A04FC94B}">
-              <ma14:wrappingTextBoxFlag xmlns="" xmlns:ma14="http://schemas.microsoft.com/office/mac/drawingml/2011/main" val="1"/>
+              <ma14:wrappingTextBoxFlag xmlns:ma14="http://schemas.microsoft.com/office/mac/drawingml/2011/main" xmlns="" val="1"/>
             </a:ext>
           </a:extLst>
         </p:spPr>
@@ -6425,7 +6414,7 @@
           </a:ln>
           <a:extLst>
             <a:ext uri="{C572A759-6A51-4108-AA02-DFA0A04FC94B}">
-              <ma14:wrappingTextBoxFlag xmlns="" xmlns:ma14="http://schemas.microsoft.com/office/mac/drawingml/2011/main" val="1"/>
+              <ma14:wrappingTextBoxFlag xmlns:ma14="http://schemas.microsoft.com/office/mac/drawingml/2011/main" xmlns="" val="1"/>
             </a:ext>
           </a:extLst>
         </p:spPr>
@@ -6596,7 +6585,7 @@
           </a:ln>
           <a:extLst>
             <a:ext uri="{C572A759-6A51-4108-AA02-DFA0A04FC94B}">
-              <ma14:wrappingTextBoxFlag xmlns="" xmlns:ma14="http://schemas.microsoft.com/office/mac/drawingml/2011/main" val="1"/>
+              <ma14:wrappingTextBoxFlag xmlns:ma14="http://schemas.microsoft.com/office/mac/drawingml/2011/main" xmlns="" val="1"/>
             </a:ext>
           </a:extLst>
         </p:spPr>
@@ -6773,7 +6762,7 @@
           </a:ln>
           <a:extLst>
             <a:ext uri="{C572A759-6A51-4108-AA02-DFA0A04FC94B}">
-              <ma14:wrappingTextBoxFlag xmlns="" xmlns:ma14="http://schemas.microsoft.com/office/mac/drawingml/2011/main" val="1"/>
+              <ma14:wrappingTextBoxFlag xmlns:ma14="http://schemas.microsoft.com/office/mac/drawingml/2011/main" xmlns="" val="1"/>
             </a:ext>
           </a:extLst>
         </p:spPr>
@@ -6855,7 +6844,7 @@
           </a:ln>
           <a:extLst>
             <a:ext uri="{C572A759-6A51-4108-AA02-DFA0A04FC94B}">
-              <ma14:wrappingTextBoxFlag xmlns="" xmlns:ma14="http://schemas.microsoft.com/office/mac/drawingml/2011/main" val="1"/>
+              <ma14:wrappingTextBoxFlag xmlns:ma14="http://schemas.microsoft.com/office/mac/drawingml/2011/main" xmlns="" val="1"/>
             </a:ext>
           </a:extLst>
         </p:spPr>
@@ -6955,7 +6944,7 @@
           </a:ln>
           <a:extLst>
             <a:ext uri="{C572A759-6A51-4108-AA02-DFA0A04FC94B}">
-              <ma14:wrappingTextBoxFlag xmlns="" xmlns:ma14="http://schemas.microsoft.com/office/mac/drawingml/2011/main" val="1"/>
+              <ma14:wrappingTextBoxFlag xmlns:ma14="http://schemas.microsoft.com/office/mac/drawingml/2011/main" xmlns="" val="1"/>
             </a:ext>
           </a:extLst>
         </p:spPr>
@@ -7001,7 +6990,7 @@
           </a:ln>
           <a:extLst>
             <a:ext uri="{C572A759-6A51-4108-AA02-DFA0A04FC94B}">
-              <ma14:wrappingTextBoxFlag xmlns="" xmlns:ma14="http://schemas.microsoft.com/office/mac/drawingml/2011/main" val="1"/>
+              <ma14:wrappingTextBoxFlag xmlns:ma14="http://schemas.microsoft.com/office/mac/drawingml/2011/main" xmlns="" val="1"/>
             </a:ext>
           </a:extLst>
         </p:spPr>
@@ -7175,7 +7164,7 @@
           </a:ln>
           <a:extLst>
             <a:ext uri="{C572A759-6A51-4108-AA02-DFA0A04FC94B}">
-              <ma14:wrappingTextBoxFlag xmlns="" xmlns:ma14="http://schemas.microsoft.com/office/mac/drawingml/2011/main" val="1"/>
+              <ma14:wrappingTextBoxFlag xmlns:ma14="http://schemas.microsoft.com/office/mac/drawingml/2011/main" xmlns="" val="1"/>
             </a:ext>
           </a:extLst>
         </p:spPr>
@@ -7360,7 +7349,7 @@
           </a:ln>
           <a:extLst>
             <a:ext uri="{C572A759-6A51-4108-AA02-DFA0A04FC94B}">
-              <ma14:wrappingTextBoxFlag xmlns="" xmlns:ma14="http://schemas.microsoft.com/office/mac/drawingml/2011/main" val="1"/>
+              <ma14:wrappingTextBoxFlag xmlns:ma14="http://schemas.microsoft.com/office/mac/drawingml/2011/main" xmlns="" val="1"/>
             </a:ext>
           </a:extLst>
         </p:spPr>
@@ -7438,7 +7427,7 @@
           </a:ln>
           <a:extLst>
             <a:ext uri="{C572A759-6A51-4108-AA02-DFA0A04FC94B}">
-              <ma14:wrappingTextBoxFlag xmlns="" xmlns:ma14="http://schemas.microsoft.com/office/mac/drawingml/2011/main" val="1"/>
+              <ma14:wrappingTextBoxFlag xmlns:ma14="http://schemas.microsoft.com/office/mac/drawingml/2011/main" xmlns="" val="1"/>
             </a:ext>
           </a:extLst>
         </p:spPr>
@@ -7543,7 +7532,7 @@
           </a:ln>
           <a:extLst>
             <a:ext uri="{C572A759-6A51-4108-AA02-DFA0A04FC94B}">
-              <ma14:wrappingTextBoxFlag xmlns="" xmlns:ma14="http://schemas.microsoft.com/office/mac/drawingml/2011/main" val="1"/>
+              <ma14:wrappingTextBoxFlag xmlns:ma14="http://schemas.microsoft.com/office/mac/drawingml/2011/main" xmlns="" val="1"/>
             </a:ext>
           </a:extLst>
         </p:spPr>
@@ -7593,7 +7582,7 @@
           </a:ln>
           <a:extLst>
             <a:ext uri="{C572A759-6A51-4108-AA02-DFA0A04FC94B}">
-              <ma14:wrappingTextBoxFlag xmlns="" xmlns:ma14="http://schemas.microsoft.com/office/mac/drawingml/2011/main" val="1"/>
+              <ma14:wrappingTextBoxFlag xmlns:ma14="http://schemas.microsoft.com/office/mac/drawingml/2011/main" xmlns="" val="1"/>
             </a:ext>
           </a:extLst>
         </p:spPr>
@@ -7671,7 +7660,7 @@
           </a:ln>
           <a:extLst>
             <a:ext uri="{C572A759-6A51-4108-AA02-DFA0A04FC94B}">
-              <ma14:wrappingTextBoxFlag xmlns="" xmlns:ma14="http://schemas.microsoft.com/office/mac/drawingml/2011/main" val="1"/>
+              <ma14:wrappingTextBoxFlag xmlns:ma14="http://schemas.microsoft.com/office/mac/drawingml/2011/main" xmlns="" val="1"/>
             </a:ext>
           </a:extLst>
         </p:spPr>
@@ -7835,7 +7824,7 @@
           </a:ln>
           <a:extLst>
             <a:ext uri="{C572A759-6A51-4108-AA02-DFA0A04FC94B}">
-              <ma14:wrappingTextBoxFlag xmlns="" xmlns:ma14="http://schemas.microsoft.com/office/mac/drawingml/2011/main" val="1"/>
+              <ma14:wrappingTextBoxFlag xmlns:ma14="http://schemas.microsoft.com/office/mac/drawingml/2011/main" xmlns="" val="1"/>
             </a:ext>
           </a:extLst>
         </p:spPr>
@@ -7892,7 +7881,7 @@
           </a:ln>
           <a:extLst>
             <a:ext uri="{C572A759-6A51-4108-AA02-DFA0A04FC94B}">
-              <ma14:wrappingTextBoxFlag xmlns="" xmlns:ma14="http://schemas.microsoft.com/office/mac/drawingml/2011/main" val="1"/>
+              <ma14:wrappingTextBoxFlag xmlns:ma14="http://schemas.microsoft.com/office/mac/drawingml/2011/main" xmlns="" val="1"/>
             </a:ext>
           </a:extLst>
         </p:spPr>
@@ -7973,7 +7962,7 @@
           </a:ln>
           <a:extLst>
             <a:ext uri="{C572A759-6A51-4108-AA02-DFA0A04FC94B}">
-              <ma14:wrappingTextBoxFlag xmlns="" xmlns:ma14="http://schemas.microsoft.com/office/mac/drawingml/2011/main" val="1"/>
+              <ma14:wrappingTextBoxFlag xmlns:ma14="http://schemas.microsoft.com/office/mac/drawingml/2011/main" xmlns="" val="1"/>
             </a:ext>
           </a:extLst>
         </p:spPr>
@@ -8081,7 +8070,7 @@
           </a:ln>
           <a:extLst>
             <a:ext uri="{C572A759-6A51-4108-AA02-DFA0A04FC94B}">
-              <ma14:wrappingTextBoxFlag xmlns="" xmlns:ma14="http://schemas.microsoft.com/office/mac/drawingml/2011/main" val="1"/>
+              <ma14:wrappingTextBoxFlag xmlns:ma14="http://schemas.microsoft.com/office/mac/drawingml/2011/main" xmlns="" val="1"/>
             </a:ext>
           </a:extLst>
         </p:spPr>
@@ -8127,7 +8116,7 @@
           </a:ln>
           <a:extLst>
             <a:ext uri="{C572A759-6A51-4108-AA02-DFA0A04FC94B}">
-              <ma14:wrappingTextBoxFlag xmlns="" xmlns:ma14="http://schemas.microsoft.com/office/mac/drawingml/2011/main" val="1"/>
+              <ma14:wrappingTextBoxFlag xmlns:ma14="http://schemas.microsoft.com/office/mac/drawingml/2011/main" xmlns="" val="1"/>
             </a:ext>
           </a:extLst>
         </p:spPr>
@@ -8300,7 +8289,7 @@
           </a:ln>
           <a:extLst>
             <a:ext uri="{C572A759-6A51-4108-AA02-DFA0A04FC94B}">
-              <ma14:wrappingTextBoxFlag xmlns="" xmlns:ma14="http://schemas.microsoft.com/office/mac/drawingml/2011/main" val="1"/>
+              <ma14:wrappingTextBoxFlag xmlns:ma14="http://schemas.microsoft.com/office/mac/drawingml/2011/main" xmlns="" val="1"/>
             </a:ext>
           </a:extLst>
         </p:spPr>
@@ -8476,7 +8465,7 @@
           </a:ln>
           <a:extLst>
             <a:ext uri="{C572A759-6A51-4108-AA02-DFA0A04FC94B}">
-              <ma14:wrappingTextBoxFlag xmlns="" xmlns:ma14="http://schemas.microsoft.com/office/mac/drawingml/2011/main" val="1"/>
+              <ma14:wrappingTextBoxFlag xmlns:ma14="http://schemas.microsoft.com/office/mac/drawingml/2011/main" xmlns="" val="1"/>
             </a:ext>
           </a:extLst>
         </p:spPr>
@@ -8554,7 +8543,7 @@
           </a:ln>
           <a:extLst>
             <a:ext uri="{C572A759-6A51-4108-AA02-DFA0A04FC94B}">
-              <ma14:wrappingTextBoxFlag xmlns="" xmlns:ma14="http://schemas.microsoft.com/office/mac/drawingml/2011/main" val="1"/>
+              <ma14:wrappingTextBoxFlag xmlns:ma14="http://schemas.microsoft.com/office/mac/drawingml/2011/main" xmlns="" val="1"/>
             </a:ext>
           </a:extLst>
         </p:spPr>
